--- a/docs/diagrams/HighLevelSequenceDiagrams.pptx
+++ b/docs/diagrams/HighLevelSequenceDiagrams.pptx
@@ -107,6 +107,22 @@
       </a:defRPr>
     </a:lvl9pPr>
   </p:defaultTextStyle>
+  <p:extLst>
+    <p:ext uri="{EFAFB233-063F-42B5-8137-9DF3F51BA10A}">
+      <p15:sldGuideLst xmlns:p15="http://schemas.microsoft.com/office/powerpoint/2012/main">
+        <p15:guide id="1" orient="horz" pos="1488">
+          <p15:clr>
+            <a:srgbClr val="A4A3A4"/>
+          </p15:clr>
+        </p15:guide>
+        <p15:guide id="2" pos="2880">
+          <p15:clr>
+            <a:srgbClr val="A4A3A4"/>
+          </p15:clr>
+        </p15:guide>
+      </p15:sldGuideLst>
+    </p:ext>
+  </p:extLst>
 </p:presentation>
 </file>
 
@@ -192,7 +208,7 @@
           <a:p>
             <a:fld id="{F5CC4B3F-88C1-4FFA-B1B6-F41C21DC6924}" type="datetimeFigureOut">
               <a:rPr lang="en-US" smtClean="0"/>
-              <a:t>10/16/2016</a:t>
+              <a:t>3/22/17</a:t>
             </a:fld>
             <a:endParaRPr lang="en-US"/>
           </a:p>
@@ -641,7 +657,7 @@
           <a:p>
             <a:fld id="{78C97017-6FC3-485B-9764-EAC9E56C1D49}" type="datetimeFigureOut">
               <a:rPr lang="en-US" smtClean="0"/>
-              <a:t>10/16/2016</a:t>
+              <a:t>3/22/17</a:t>
             </a:fld>
             <a:endParaRPr lang="en-US"/>
           </a:p>
@@ -811,7 +827,7 @@
           <a:p>
             <a:fld id="{78C97017-6FC3-485B-9764-EAC9E56C1D49}" type="datetimeFigureOut">
               <a:rPr lang="en-US" smtClean="0"/>
-              <a:t>10/16/2016</a:t>
+              <a:t>3/22/17</a:t>
             </a:fld>
             <a:endParaRPr lang="en-US"/>
           </a:p>
@@ -991,7 +1007,7 @@
           <a:p>
             <a:fld id="{78C97017-6FC3-485B-9764-EAC9E56C1D49}" type="datetimeFigureOut">
               <a:rPr lang="en-US" smtClean="0"/>
-              <a:t>10/16/2016</a:t>
+              <a:t>3/22/17</a:t>
             </a:fld>
             <a:endParaRPr lang="en-US"/>
           </a:p>
@@ -1161,7 +1177,7 @@
           <a:p>
             <a:fld id="{78C97017-6FC3-485B-9764-EAC9E56C1D49}" type="datetimeFigureOut">
               <a:rPr lang="en-US" smtClean="0"/>
-              <a:t>10/16/2016</a:t>
+              <a:t>3/22/17</a:t>
             </a:fld>
             <a:endParaRPr lang="en-US"/>
           </a:p>
@@ -1407,7 +1423,7 @@
           <a:p>
             <a:fld id="{78C97017-6FC3-485B-9764-EAC9E56C1D49}" type="datetimeFigureOut">
               <a:rPr lang="en-US" smtClean="0"/>
-              <a:t>10/16/2016</a:t>
+              <a:t>3/22/17</a:t>
             </a:fld>
             <a:endParaRPr lang="en-US"/>
           </a:p>
@@ -1695,7 +1711,7 @@
           <a:p>
             <a:fld id="{78C97017-6FC3-485B-9764-EAC9E56C1D49}" type="datetimeFigureOut">
               <a:rPr lang="en-US" smtClean="0"/>
-              <a:t>10/16/2016</a:t>
+              <a:t>3/22/17</a:t>
             </a:fld>
             <a:endParaRPr lang="en-US"/>
           </a:p>
@@ -2117,7 +2133,7 @@
           <a:p>
             <a:fld id="{78C97017-6FC3-485B-9764-EAC9E56C1D49}" type="datetimeFigureOut">
               <a:rPr lang="en-US" smtClean="0"/>
-              <a:t>10/16/2016</a:t>
+              <a:t>3/22/17</a:t>
             </a:fld>
             <a:endParaRPr lang="en-US"/>
           </a:p>
@@ -2235,7 +2251,7 @@
           <a:p>
             <a:fld id="{78C97017-6FC3-485B-9764-EAC9E56C1D49}" type="datetimeFigureOut">
               <a:rPr lang="en-US" smtClean="0"/>
-              <a:t>10/16/2016</a:t>
+              <a:t>3/22/17</a:t>
             </a:fld>
             <a:endParaRPr lang="en-US"/>
           </a:p>
@@ -2330,7 +2346,7 @@
           <a:p>
             <a:fld id="{78C97017-6FC3-485B-9764-EAC9E56C1D49}" type="datetimeFigureOut">
               <a:rPr lang="en-US" smtClean="0"/>
-              <a:t>10/16/2016</a:t>
+              <a:t>3/22/17</a:t>
             </a:fld>
             <a:endParaRPr lang="en-US"/>
           </a:p>
@@ -2607,7 +2623,7 @@
           <a:p>
             <a:fld id="{78C97017-6FC3-485B-9764-EAC9E56C1D49}" type="datetimeFigureOut">
               <a:rPr lang="en-US" smtClean="0"/>
-              <a:t>10/16/2016</a:t>
+              <a:t>3/22/17</a:t>
             </a:fld>
             <a:endParaRPr lang="en-US"/>
           </a:p>
@@ -2860,7 +2876,7 @@
           <a:p>
             <a:fld id="{78C97017-6FC3-485B-9764-EAC9E56C1D49}" type="datetimeFigureOut">
               <a:rPr lang="en-US" smtClean="0"/>
-              <a:t>10/16/2016</a:t>
+              <a:t>3/22/17</a:t>
             </a:fld>
             <a:endParaRPr lang="en-US"/>
           </a:p>
@@ -3073,7 +3089,7 @@
           <a:p>
             <a:fld id="{78C97017-6FC3-485B-9764-EAC9E56C1D49}" type="datetimeFigureOut">
               <a:rPr lang="en-US" smtClean="0"/>
-              <a:t>10/16/2016</a:t>
+              <a:t>3/22/17</a:t>
             </a:fld>
             <a:endParaRPr lang="en-US"/>
           </a:p>
@@ -4310,7 +4326,15 @@
                   <a:srgbClr val="7030A0"/>
                 </a:solidFill>
               </a:rPr>
-              <a:t>deletePerson</a:t>
+              <a:t>delete</a:t>
+            </a:r>
+            <a:r>
+              <a:rPr lang="en-US" altLang="zh-CN" sz="1400" dirty="0" err="1" smtClean="0">
+                <a:solidFill>
+                  <a:srgbClr val="7030A0"/>
+                </a:solidFill>
+              </a:rPr>
+              <a:t>Task</a:t>
             </a:r>
             <a:r>
               <a:rPr lang="en-US" sz="1400" dirty="0" smtClean="0">
@@ -4318,7 +4342,15 @@
                   <a:srgbClr val="7030A0"/>
                 </a:solidFill>
               </a:rPr>
-              <a:t>(p)</a:t>
+              <a:t>(p</a:t>
+            </a:r>
+            <a:r>
+              <a:rPr lang="en-US" sz="1400" dirty="0" smtClean="0">
+                <a:solidFill>
+                  <a:srgbClr val="7030A0"/>
+                </a:solidFill>
+              </a:rPr>
+              <a:t>)</a:t>
             </a:r>
             <a:endParaRPr lang="en-US" sz="1400" dirty="0">
               <a:solidFill>
@@ -4361,6 +4393,16 @@
               <a:t>post(</a:t>
             </a:r>
             <a:r>
+              <a:rPr lang="en-US" altLang="zh-CN" sz="1400" dirty="0" err="1" smtClean="0">
+                <a:solidFill>
+                  <a:schemeClr val="accent5">
+                    <a:lumMod val="75000"/>
+                  </a:schemeClr>
+                </a:solidFill>
+              </a:rPr>
+              <a:t>TaskManager</a:t>
+            </a:r>
+            <a:r>
               <a:rPr lang="en-US" sz="1400" dirty="0" err="1" smtClean="0">
                 <a:solidFill>
                   <a:schemeClr val="accent5">
@@ -4368,7 +4410,7 @@
                   </a:schemeClr>
                 </a:solidFill>
               </a:rPr>
-              <a:t>AddressBookChangedEvent</a:t>
+              <a:t>ChangedEvent</a:t>
             </a:r>
             <a:r>
               <a:rPr lang="en-US" sz="1400" dirty="0" smtClean="0">
@@ -4935,6 +4977,16 @@
               <a:t>post(</a:t>
             </a:r>
             <a:r>
+              <a:rPr lang="en-US" altLang="zh-CN" sz="1400" dirty="0" err="1" smtClean="0">
+                <a:solidFill>
+                  <a:schemeClr val="accent5">
+                    <a:lumMod val="75000"/>
+                  </a:schemeClr>
+                </a:solidFill>
+              </a:rPr>
+              <a:t>TaskManager</a:t>
+            </a:r>
+            <a:r>
               <a:rPr lang="en-US" sz="1400" dirty="0" err="1" smtClean="0">
                 <a:solidFill>
                   <a:schemeClr val="accent5">
@@ -4942,7 +4994,7 @@
                   </a:schemeClr>
                 </a:solidFill>
               </a:rPr>
-              <a:t>AddressBookChangedEvent</a:t>
+              <a:t>ChangedEvent</a:t>
             </a:r>
             <a:r>
               <a:rPr lang="en-US" sz="1400" dirty="0" smtClean="0">
@@ -5314,7 +5366,27 @@
                   </a:schemeClr>
                 </a:solidFill>
               </a:rPr>
-              <a:t>handleAddresssBookChangedEvent</a:t>
+              <a:t>handle</a:t>
+            </a:r>
+            <a:r>
+              <a:rPr lang="en-US" altLang="zh-CN" sz="1400" dirty="0" err="1" smtClean="0">
+                <a:solidFill>
+                  <a:schemeClr val="accent6">
+                    <a:lumMod val="75000"/>
+                  </a:schemeClr>
+                </a:solidFill>
+              </a:rPr>
+              <a:t>TaskManager</a:t>
+            </a:r>
+            <a:r>
+              <a:rPr lang="en-US" sz="1400" dirty="0" err="1" smtClean="0">
+                <a:solidFill>
+                  <a:schemeClr val="accent6">
+                    <a:lumMod val="75000"/>
+                  </a:schemeClr>
+                </a:solidFill>
+              </a:rPr>
+              <a:t>ChangedEvent</a:t>
             </a:r>
             <a:r>
               <a:rPr lang="en-US" sz="1400" dirty="0" smtClean="0">
@@ -5625,7 +5697,23 @@
                   <a:srgbClr val="00B050"/>
                 </a:solidFill>
               </a:rPr>
-              <a:t>handleAddresssBookChangedEvent</a:t>
+              <a:t>handle</a:t>
+            </a:r>
+            <a:r>
+              <a:rPr lang="en-US" altLang="zh-CN" sz="1400" dirty="0" err="1" smtClean="0">
+                <a:solidFill>
+                  <a:srgbClr val="00B050"/>
+                </a:solidFill>
+              </a:rPr>
+              <a:t>TaskManager</a:t>
+            </a:r>
+            <a:r>
+              <a:rPr lang="en-US" sz="1400" dirty="0" err="1" smtClean="0">
+                <a:solidFill>
+                  <a:srgbClr val="00B050"/>
+                </a:solidFill>
+              </a:rPr>
+              <a:t>ChangedEvent</a:t>
             </a:r>
             <a:r>
               <a:rPr lang="en-US" sz="1400" dirty="0" smtClean="0">

--- a/docs/diagrams/HighLevelSequenceDiagrams.pptx
+++ b/docs/diagrams/HighLevelSequenceDiagrams.pptx
@@ -208,7 +208,7 @@
           <a:p>
             <a:fld id="{F5CC4B3F-88C1-4FFA-B1B6-F41C21DC6924}" type="datetimeFigureOut">
               <a:rPr lang="en-US" smtClean="0"/>
-              <a:t>3/22/17</a:t>
+              <a:t>4/7/17</a:t>
             </a:fld>
             <a:endParaRPr lang="en-US"/>
           </a:p>
@@ -657,7 +657,7 @@
           <a:p>
             <a:fld id="{78C97017-6FC3-485B-9764-EAC9E56C1D49}" type="datetimeFigureOut">
               <a:rPr lang="en-US" smtClean="0"/>
-              <a:t>3/22/17</a:t>
+              <a:t>4/7/17</a:t>
             </a:fld>
             <a:endParaRPr lang="en-US"/>
           </a:p>
@@ -827,7 +827,7 @@
           <a:p>
             <a:fld id="{78C97017-6FC3-485B-9764-EAC9E56C1D49}" type="datetimeFigureOut">
               <a:rPr lang="en-US" smtClean="0"/>
-              <a:t>3/22/17</a:t>
+              <a:t>4/7/17</a:t>
             </a:fld>
             <a:endParaRPr lang="en-US"/>
           </a:p>
@@ -1007,7 +1007,7 @@
           <a:p>
             <a:fld id="{78C97017-6FC3-485B-9764-EAC9E56C1D49}" type="datetimeFigureOut">
               <a:rPr lang="en-US" smtClean="0"/>
-              <a:t>3/22/17</a:t>
+              <a:t>4/7/17</a:t>
             </a:fld>
             <a:endParaRPr lang="en-US"/>
           </a:p>
@@ -1177,7 +1177,7 @@
           <a:p>
             <a:fld id="{78C97017-6FC3-485B-9764-EAC9E56C1D49}" type="datetimeFigureOut">
               <a:rPr lang="en-US" smtClean="0"/>
-              <a:t>3/22/17</a:t>
+              <a:t>4/7/17</a:t>
             </a:fld>
             <a:endParaRPr lang="en-US"/>
           </a:p>
@@ -1423,7 +1423,7 @@
           <a:p>
             <a:fld id="{78C97017-6FC3-485B-9764-EAC9E56C1D49}" type="datetimeFigureOut">
               <a:rPr lang="en-US" smtClean="0"/>
-              <a:t>3/22/17</a:t>
+              <a:t>4/7/17</a:t>
             </a:fld>
             <a:endParaRPr lang="en-US"/>
           </a:p>
@@ -1711,7 +1711,7 @@
           <a:p>
             <a:fld id="{78C97017-6FC3-485B-9764-EAC9E56C1D49}" type="datetimeFigureOut">
               <a:rPr lang="en-US" smtClean="0"/>
-              <a:t>3/22/17</a:t>
+              <a:t>4/7/17</a:t>
             </a:fld>
             <a:endParaRPr lang="en-US"/>
           </a:p>
@@ -2133,7 +2133,7 @@
           <a:p>
             <a:fld id="{78C97017-6FC3-485B-9764-EAC9E56C1D49}" type="datetimeFigureOut">
               <a:rPr lang="en-US" smtClean="0"/>
-              <a:t>3/22/17</a:t>
+              <a:t>4/7/17</a:t>
             </a:fld>
             <a:endParaRPr lang="en-US"/>
           </a:p>
@@ -2251,7 +2251,7 @@
           <a:p>
             <a:fld id="{78C97017-6FC3-485B-9764-EAC9E56C1D49}" type="datetimeFigureOut">
               <a:rPr lang="en-US" smtClean="0"/>
-              <a:t>3/22/17</a:t>
+              <a:t>4/7/17</a:t>
             </a:fld>
             <a:endParaRPr lang="en-US"/>
           </a:p>
@@ -2346,7 +2346,7 @@
           <a:p>
             <a:fld id="{78C97017-6FC3-485B-9764-EAC9E56C1D49}" type="datetimeFigureOut">
               <a:rPr lang="en-US" smtClean="0"/>
-              <a:t>3/22/17</a:t>
+              <a:t>4/7/17</a:t>
             </a:fld>
             <a:endParaRPr lang="en-US"/>
           </a:p>
@@ -2623,7 +2623,7 @@
           <a:p>
             <a:fld id="{78C97017-6FC3-485B-9764-EAC9E56C1D49}" type="datetimeFigureOut">
               <a:rPr lang="en-US" smtClean="0"/>
-              <a:t>3/22/17</a:t>
+              <a:t>4/7/17</a:t>
             </a:fld>
             <a:endParaRPr lang="en-US"/>
           </a:p>
@@ -2876,7 +2876,7 @@
           <a:p>
             <a:fld id="{78C97017-6FC3-485B-9764-EAC9E56C1D49}" type="datetimeFigureOut">
               <a:rPr lang="en-US" smtClean="0"/>
-              <a:t>3/22/17</a:t>
+              <a:t>4/7/17</a:t>
             </a:fld>
             <a:endParaRPr lang="en-US"/>
           </a:p>
@@ -3089,7 +3089,7 @@
           <a:p>
             <a:fld id="{78C97017-6FC3-485B-9764-EAC9E56C1D49}" type="datetimeFigureOut">
               <a:rPr lang="en-US" smtClean="0"/>
-              <a:t>3/22/17</a:t>
+              <a:t>4/7/17</a:t>
             </a:fld>
             <a:endParaRPr lang="en-US"/>
           </a:p>
@@ -3472,7 +3472,7 @@
         </p:nvSpPr>
         <p:spPr>
           <a:xfrm>
-            <a:off x="1111860" y="607926"/>
+            <a:off x="1119933" y="638075"/>
             <a:ext cx="1093635" cy="346760"/>
           </a:xfrm>
           <a:prstGeom prst="rect">
@@ -3531,7 +3531,7 @@
         </p:nvCxnSpPr>
         <p:spPr>
           <a:xfrm>
-            <a:off x="1658677" y="971597"/>
+            <a:off x="1640820" y="1016322"/>
             <a:ext cx="0" cy="1723059"/>
           </a:xfrm>
           <a:prstGeom prst="line">
@@ -3568,7 +3568,7 @@
         </p:nvSpPr>
         <p:spPr>
           <a:xfrm>
-            <a:off x="1586669" y="1322292"/>
+            <a:off x="1569743" y="1371600"/>
             <a:ext cx="152400" cy="1019910"/>
           </a:xfrm>
           <a:prstGeom prst="rect">
@@ -3836,7 +3836,7 @@
         </p:nvSpPr>
         <p:spPr>
           <a:xfrm>
-            <a:off x="3335583" y="611613"/>
+            <a:off x="3335582" y="612994"/>
             <a:ext cx="1093635" cy="346760"/>
           </a:xfrm>
           <a:prstGeom prst="rect">
@@ -4125,13 +4125,15 @@
       <p:cxnSp>
         <p:nvCxnSpPr>
           <p:cNvPr id="23" name="Straight Arrow Connector 22"/>
-          <p:cNvCxnSpPr/>
+          <p:cNvCxnSpPr>
+            <a:endCxn id="6" idx="0"/>
+          </p:cNvCxnSpPr>
           <p:nvPr/>
         </p:nvCxnSpPr>
         <p:spPr>
-          <a:xfrm>
-            <a:off x="466818" y="1325979"/>
-            <a:ext cx="1119851" cy="0"/>
+          <a:xfrm flipV="1">
+            <a:off x="699179" y="1371600"/>
+            <a:ext cx="946764" cy="8868"/>
           </a:xfrm>
           <a:prstGeom prst="straightConnector1">
             <a:avLst/>
@@ -4166,7 +4168,7 @@
         </p:nvSpPr>
         <p:spPr>
           <a:xfrm>
-            <a:off x="466818" y="1345880"/>
+            <a:off x="575037" y="1397379"/>
             <a:ext cx="860170" cy="215444"/>
           </a:xfrm>
           <a:prstGeom prst="rect">
@@ -4181,8 +4183,12 @@
           <a:lstStyle/>
           <a:p>
             <a:r>
+              <a:rPr lang="en-US" sz="1400" dirty="0"/>
+              <a:t>l</a:t>
+            </a:r>
+            <a:r>
               <a:rPr lang="en-US" sz="1400" dirty="0" smtClean="0"/>
-              <a:t>delete 1</a:t>
+              <a:t>ist all inbox</a:t>
             </a:r>
             <a:endParaRPr lang="en-US" sz="1400" dirty="0"/>
           </a:p>
@@ -4196,7 +4202,7 @@
         </p:nvCxnSpPr>
         <p:spPr>
           <a:xfrm>
-            <a:off x="1739069" y="1433478"/>
+            <a:off x="1732466" y="1486813"/>
             <a:ext cx="2071323" cy="0"/>
           </a:xfrm>
           <a:prstGeom prst="straightConnector1">
@@ -4232,8 +4238,8 @@
         </p:nvSpPr>
         <p:spPr>
           <a:xfrm>
-            <a:off x="2166172" y="1453379"/>
-            <a:ext cx="1424846" cy="215444"/>
+            <a:off x="2491056" y="1486813"/>
+            <a:ext cx="1247328" cy="430887"/>
           </a:xfrm>
           <a:prstGeom prst="rect">
             <a:avLst/>
@@ -4246,13 +4252,21 @@
           </a:bodyPr>
           <a:lstStyle/>
           <a:p>
+            <a:r>
+              <a:rPr lang="en-US" sz="1400" dirty="0" err="1" smtClean="0">
+                <a:solidFill>
+                  <a:srgbClr val="0070C0"/>
+                </a:solidFill>
+              </a:rPr>
+              <a:t>ListAllCommand</a:t>
+            </a:r>
             <a:r>
               <a:rPr lang="en-US" sz="1400" dirty="0" smtClean="0">
                 <a:solidFill>
                   <a:srgbClr val="0070C0"/>
                 </a:solidFill>
               </a:rPr>
-              <a:t>execute(“delete 1”)</a:t>
+              <a:t>(“inbox”).execute</a:t>
             </a:r>
             <a:endParaRPr lang="en-US" sz="1400" dirty="0">
               <a:solidFill>
@@ -4307,7 +4321,7 @@
         <p:spPr>
           <a:xfrm>
             <a:off x="4299772" y="1542583"/>
-            <a:ext cx="1424846" cy="215444"/>
+            <a:ext cx="1424846" cy="646331"/>
           </a:xfrm>
           <a:prstGeom prst="rect">
             <a:avLst/>
@@ -4326,15 +4340,7 @@
                   <a:srgbClr val="7030A0"/>
                 </a:solidFill>
               </a:rPr>
-              <a:t>delete</a:t>
-            </a:r>
-            <a:r>
-              <a:rPr lang="en-US" altLang="zh-CN" sz="1400" dirty="0" err="1" smtClean="0">
-                <a:solidFill>
-                  <a:srgbClr val="7030A0"/>
-                </a:solidFill>
-              </a:rPr>
-              <a:t>Task</a:t>
+              <a:t>updateFilteredTaskListGivenListNameAll</a:t>
             </a:r>
             <a:r>
               <a:rPr lang="en-US" sz="1400" dirty="0" smtClean="0">
@@ -4342,15 +4348,7 @@
                   <a:srgbClr val="7030A0"/>
                 </a:solidFill>
               </a:rPr>
-              <a:t>(p</a:t>
-            </a:r>
-            <a:r>
-              <a:rPr lang="en-US" sz="1400" dirty="0" smtClean="0">
-                <a:solidFill>
-                  <a:srgbClr val="7030A0"/>
-                </a:solidFill>
-              </a:rPr>
-              <a:t>)</a:t>
+              <a:t>(“inbox”)</a:t>
             </a:r>
             <a:endParaRPr lang="en-US" sz="1400" dirty="0">
               <a:solidFill>
@@ -4369,7 +4367,7 @@
         <p:spPr>
           <a:xfrm>
             <a:off x="6074030" y="1687656"/>
-            <a:ext cx="2438400" cy="215444"/>
+            <a:ext cx="2993770" cy="215444"/>
           </a:xfrm>
           <a:prstGeom prst="rect">
             <a:avLst/>
@@ -4390,7 +4388,7 @@
                   </a:schemeClr>
                 </a:solidFill>
               </a:rPr>
-              <a:t>post(</a:t>
+              <a:t>post </a:t>
             </a:r>
             <a:r>
               <a:rPr lang="en-US" altLang="zh-CN" sz="1400" dirty="0" err="1" smtClean="0">
@@ -4400,27 +4398,17 @@
                   </a:schemeClr>
                 </a:solidFill>
               </a:rPr>
-              <a:t>TaskManager</a:t>
-            </a:r>
-            <a:r>
-              <a:rPr lang="en-US" sz="1400" dirty="0" err="1" smtClean="0">
+              <a:t>NewResultAvailableEvent</a:t>
+            </a:r>
+            <a:r>
+              <a:rPr lang="en-US" altLang="zh-CN" sz="1400" dirty="0" smtClean="0">
                 <a:solidFill>
                   <a:schemeClr val="accent5">
                     <a:lumMod val="75000"/>
                   </a:schemeClr>
                 </a:solidFill>
               </a:rPr>
-              <a:t>ChangedEvent</a:t>
-            </a:r>
-            <a:r>
-              <a:rPr lang="en-US" sz="1400" dirty="0" smtClean="0">
-                <a:solidFill>
-                  <a:schemeClr val="accent5">
-                    <a:lumMod val="75000"/>
-                  </a:schemeClr>
-                </a:solidFill>
-              </a:rPr>
-              <a:t>)</a:t>
+              <a:t>()</a:t>
             </a:r>
             <a:endParaRPr lang="en-US" sz="1400" dirty="0">
               <a:solidFill>
@@ -4511,13 +4499,15 @@
       <p:cxnSp>
         <p:nvCxnSpPr>
           <p:cNvPr id="37" name="Straight Arrow Connector 36"/>
-          <p:cNvCxnSpPr/>
+          <p:cNvCxnSpPr>
+            <a:endCxn id="6" idx="2"/>
+          </p:cNvCxnSpPr>
           <p:nvPr/>
         </p:nvCxnSpPr>
         <p:spPr>
-          <a:xfrm>
-            <a:off x="390618" y="2342202"/>
-            <a:ext cx="1196051" cy="0"/>
+          <a:xfrm flipV="1">
+            <a:off x="622979" y="2391510"/>
+            <a:ext cx="1022964" cy="5181"/>
           </a:xfrm>
           <a:prstGeom prst="straightConnector1">
             <a:avLst/>
@@ -4840,7 +4830,7 @@
                   <a:schemeClr val="bg1"/>
                 </a:solidFill>
               </a:rPr>
-              <a:t>:Storage</a:t>
+              <a:t>:UI</a:t>
             </a:r>
             <a:endParaRPr lang="en-SG" sz="1600" dirty="0">
               <a:solidFill>
@@ -4952,8 +4942,8 @@
         </p:nvSpPr>
         <p:spPr>
           <a:xfrm>
-            <a:off x="1810094" y="4797674"/>
-            <a:ext cx="2716635" cy="215444"/>
+            <a:off x="1542632" y="4806369"/>
+            <a:ext cx="2868052" cy="215444"/>
           </a:xfrm>
           <a:prstGeom prst="rect">
             <a:avLst/>
@@ -4967,44 +4957,34 @@
           <a:lstStyle/>
           <a:p>
             <a:r>
-              <a:rPr lang="en-US" sz="1400" dirty="0" smtClean="0">
+              <a:rPr lang="en-US" sz="1400" dirty="0">
                 <a:solidFill>
                   <a:schemeClr val="accent5">
                     <a:lumMod val="75000"/>
                   </a:schemeClr>
                 </a:solidFill>
               </a:rPr>
-              <a:t>post(</a:t>
-            </a:r>
-            <a:r>
-              <a:rPr lang="en-US" altLang="zh-CN" sz="1400" dirty="0" err="1" smtClean="0">
+              <a:t>post </a:t>
+            </a:r>
+            <a:r>
+              <a:rPr lang="en-US" altLang="zh-CN" sz="1400" dirty="0" err="1">
                 <a:solidFill>
                   <a:schemeClr val="accent5">
                     <a:lumMod val="75000"/>
                   </a:schemeClr>
                 </a:solidFill>
               </a:rPr>
-              <a:t>TaskManager</a:t>
-            </a:r>
-            <a:r>
-              <a:rPr lang="en-US" sz="1400" dirty="0" err="1" smtClean="0">
+              <a:t>TagPanelSelectionChangedEvent</a:t>
+            </a:r>
+            <a:r>
+              <a:rPr lang="en-US" altLang="zh-CN" sz="1400" dirty="0">
                 <a:solidFill>
                   <a:schemeClr val="accent5">
                     <a:lumMod val="75000"/>
                   </a:schemeClr>
                 </a:solidFill>
               </a:rPr>
-              <a:t>ChangedEvent</a:t>
-            </a:r>
-            <a:r>
-              <a:rPr lang="en-US" sz="1400" dirty="0" smtClean="0">
-                <a:solidFill>
-                  <a:schemeClr val="accent5">
-                    <a:lumMod val="75000"/>
-                  </a:schemeClr>
-                </a:solidFill>
-              </a:rPr>
-              <a:t>)</a:t>
+              <a:t>()</a:t>
             </a:r>
             <a:endParaRPr lang="en-US" sz="1400" dirty="0">
               <a:solidFill>
@@ -5344,8 +5324,8 @@
         </p:nvSpPr>
         <p:spPr>
           <a:xfrm>
-            <a:off x="5036330" y="5065911"/>
-            <a:ext cx="2659870" cy="215444"/>
+            <a:off x="4711220" y="5065911"/>
+            <a:ext cx="2984980" cy="215444"/>
           </a:xfrm>
           <a:prstGeom prst="rect">
             <a:avLst/>
@@ -5376,17 +5356,7 @@
                   </a:schemeClr>
                 </a:solidFill>
               </a:rPr>
-              <a:t>TaskManager</a:t>
-            </a:r>
-            <a:r>
-              <a:rPr lang="en-US" sz="1400" dirty="0" err="1" smtClean="0">
-                <a:solidFill>
-                  <a:schemeClr val="accent6">
-                    <a:lumMod val="75000"/>
-                  </a:schemeClr>
-                </a:solidFill>
-              </a:rPr>
-              <a:t>ChangedEvent</a:t>
+              <a:t>TagPanelSelectionChangedEvent</a:t>
             </a:r>
             <a:r>
               <a:rPr lang="en-US" sz="1400" dirty="0" smtClean="0">
@@ -5677,8 +5647,8 @@
         </p:nvSpPr>
         <p:spPr>
           <a:xfrm>
-            <a:off x="1416276" y="5395369"/>
-            <a:ext cx="2659870" cy="215444"/>
+            <a:off x="1588231" y="5708363"/>
+            <a:ext cx="2455317" cy="215444"/>
           </a:xfrm>
           <a:prstGeom prst="rect">
             <a:avLst/>
@@ -5705,15 +5675,7 @@
                   <a:srgbClr val="00B050"/>
                 </a:solidFill>
               </a:rPr>
-              <a:t>TaskManager</a:t>
-            </a:r>
-            <a:r>
-              <a:rPr lang="en-US" sz="1400" dirty="0" err="1" smtClean="0">
-                <a:solidFill>
-                  <a:srgbClr val="00B050"/>
-                </a:solidFill>
-              </a:rPr>
-              <a:t>ChangedEvent</a:t>
+              <a:t>NewResultAvailableEvent</a:t>
             </a:r>
             <a:r>
               <a:rPr lang="en-US" sz="1400" dirty="0" smtClean="0">
@@ -6100,8 +6062,8 @@
         </p:nvSpPr>
         <p:spPr>
           <a:xfrm>
-            <a:off x="8223953" y="5180992"/>
-            <a:ext cx="539047" cy="430887"/>
+            <a:off x="8188667" y="5207913"/>
+            <a:ext cx="802933" cy="430887"/>
           </a:xfrm>
           <a:prstGeom prst="rect">
             <a:avLst/>
@@ -6114,6 +6076,87 @@
           </a:bodyPr>
           <a:lstStyle/>
           <a:p>
+            <a:r>
+              <a:rPr lang="en-US" sz="1400" dirty="0" err="1" smtClean="0">
+                <a:solidFill>
+                  <a:schemeClr val="accent6">
+                    <a:lumMod val="75000"/>
+                  </a:schemeClr>
+                </a:solidFill>
+              </a:rPr>
+              <a:t>UpdateTag</a:t>
+            </a:r>
+            <a:endParaRPr lang="en-US" sz="1400" dirty="0" smtClean="0">
+              <a:solidFill>
+                <a:schemeClr val="accent6">
+                  <a:lumMod val="75000"/>
+                </a:schemeClr>
+              </a:solidFill>
+            </a:endParaRPr>
+          </a:p>
+          <a:p>
+            <a:r>
+              <a:rPr lang="en-US" sz="1400" dirty="0" err="1" smtClean="0">
+                <a:solidFill>
+                  <a:schemeClr val="accent6">
+                    <a:lumMod val="75000"/>
+                  </a:schemeClr>
+                </a:solidFill>
+              </a:rPr>
+              <a:t>PanelView</a:t>
+            </a:r>
+            <a:endParaRPr lang="en-US" sz="1400" dirty="0">
+              <a:solidFill>
+                <a:schemeClr val="accent6">
+                  <a:lumMod val="75000"/>
+                </a:schemeClr>
+              </a:solidFill>
+            </a:endParaRPr>
+          </a:p>
+        </p:txBody>
+      </p:sp>
+      <p:sp>
+        <p:nvSpPr>
+          <p:cNvPr id="64" name="TextBox 63"/>
+          <p:cNvSpPr txBox="1"/>
+          <p:nvPr/>
+        </p:nvSpPr>
+        <p:spPr>
+          <a:xfrm>
+            <a:off x="4731115" y="5354060"/>
+            <a:ext cx="2984980" cy="215444"/>
+          </a:xfrm>
+          <a:prstGeom prst="rect">
+            <a:avLst/>
+          </a:prstGeom>
+          <a:noFill/>
+        </p:spPr>
+        <p:txBody>
+          <a:bodyPr wrap="square" lIns="0" tIns="0" rIns="0" bIns="0" rtlCol="0">
+            <a:spAutoFit/>
+          </a:bodyPr>
+          <a:lstStyle/>
+          <a:p>
+            <a:r>
+              <a:rPr lang="en-US" sz="1400" dirty="0" err="1" smtClean="0">
+                <a:solidFill>
+                  <a:schemeClr val="accent6">
+                    <a:lumMod val="75000"/>
+                  </a:schemeClr>
+                </a:solidFill>
+              </a:rPr>
+              <a:t>handle</a:t>
+            </a:r>
+            <a:r>
+              <a:rPr lang="en-US" altLang="zh-CN" sz="1400" dirty="0" err="1" smtClean="0">
+                <a:solidFill>
+                  <a:schemeClr val="accent6">
+                    <a:lumMod val="75000"/>
+                  </a:schemeClr>
+                </a:solidFill>
+              </a:rPr>
+              <a:t>NewResultAvailableEvent</a:t>
+            </a:r>
             <a:r>
               <a:rPr lang="en-US" sz="1400" dirty="0" smtClean="0">
                 <a:solidFill>
@@ -6122,30 +6165,199 @@
                   </a:schemeClr>
                 </a:solidFill>
               </a:rPr>
-              <a:t>Save </a:t>
-            </a:r>
-            <a:br>
+              <a:t>()</a:t>
+            </a:r>
+            <a:endParaRPr lang="en-US" sz="1400" dirty="0">
+              <a:solidFill>
+                <a:schemeClr val="accent6">
+                  <a:lumMod val="75000"/>
+                </a:schemeClr>
+              </a:solidFill>
+            </a:endParaRPr>
+          </a:p>
+        </p:txBody>
+      </p:sp>
+      <p:sp>
+        <p:nvSpPr>
+          <p:cNvPr id="65" name="TextBox 64"/>
+          <p:cNvSpPr txBox="1"/>
+          <p:nvPr/>
+        </p:nvSpPr>
+        <p:spPr>
+          <a:xfrm>
+            <a:off x="1542632" y="5122477"/>
+            <a:ext cx="2868052" cy="215444"/>
+          </a:xfrm>
+          <a:prstGeom prst="rect">
+            <a:avLst/>
+          </a:prstGeom>
+          <a:noFill/>
+        </p:spPr>
+        <p:txBody>
+          <a:bodyPr wrap="square" lIns="0" tIns="0" rIns="0" bIns="0" rtlCol="0">
+            <a:spAutoFit/>
+          </a:bodyPr>
+          <a:lstStyle/>
+          <a:p>
+            <a:r>
               <a:rPr lang="en-US" sz="1400" dirty="0" smtClean="0">
                 <a:solidFill>
-                  <a:schemeClr val="accent6">
+                  <a:schemeClr val="accent5">
                     <a:lumMod val="75000"/>
                   </a:schemeClr>
                 </a:solidFill>
               </a:rPr>
-            </a:br>
-            <a:r>
-              <a:rPr lang="en-US" sz="1400" dirty="0" smtClean="0">
+              <a:t>post </a:t>
+            </a:r>
+            <a:r>
+              <a:rPr lang="en-US" sz="1400" dirty="0" err="1" smtClean="0">
                 <a:solidFill>
-                  <a:schemeClr val="accent6">
+                  <a:schemeClr val="accent5">
                     <a:lumMod val="75000"/>
                   </a:schemeClr>
                 </a:solidFill>
               </a:rPr>
-              <a:t>to file</a:t>
+              <a:t>NewResultAvailable</a:t>
+            </a:r>
+            <a:r>
+              <a:rPr lang="en-US" altLang="zh-CN" sz="1400" dirty="0" err="1" smtClean="0">
+                <a:solidFill>
+                  <a:schemeClr val="accent5">
+                    <a:lumMod val="75000"/>
+                  </a:schemeClr>
+                </a:solidFill>
+              </a:rPr>
+              <a:t>Event</a:t>
+            </a:r>
+            <a:r>
+              <a:rPr lang="en-US" altLang="zh-CN" sz="1400" dirty="0">
+                <a:solidFill>
+                  <a:schemeClr val="accent5">
+                    <a:lumMod val="75000"/>
+                  </a:schemeClr>
+                </a:solidFill>
+              </a:rPr>
+              <a:t>()</a:t>
             </a:r>
             <a:endParaRPr lang="en-US" sz="1400" dirty="0">
               <a:solidFill>
-                <a:schemeClr val="accent6">
+                <a:schemeClr val="accent5">
+                  <a:lumMod val="75000"/>
+                </a:schemeClr>
+              </a:solidFill>
+            </a:endParaRPr>
+          </a:p>
+        </p:txBody>
+      </p:sp>
+      <p:sp>
+        <p:nvSpPr>
+          <p:cNvPr id="71" name="TextBox 70"/>
+          <p:cNvSpPr txBox="1"/>
+          <p:nvPr/>
+        </p:nvSpPr>
+        <p:spPr>
+          <a:xfrm>
+            <a:off x="1373136" y="5395604"/>
+            <a:ext cx="2964755" cy="215444"/>
+          </a:xfrm>
+          <a:prstGeom prst="rect">
+            <a:avLst/>
+          </a:prstGeom>
+          <a:noFill/>
+        </p:spPr>
+        <p:txBody>
+          <a:bodyPr wrap="square" lIns="0" tIns="0" rIns="0" bIns="0" rtlCol="0">
+            <a:spAutoFit/>
+          </a:bodyPr>
+          <a:lstStyle/>
+          <a:p>
+            <a:r>
+              <a:rPr lang="en-US" sz="1400" dirty="0" err="1" smtClean="0">
+                <a:solidFill>
+                  <a:srgbClr val="00B050"/>
+                </a:solidFill>
+              </a:rPr>
+              <a:t>handle</a:t>
+            </a:r>
+            <a:r>
+              <a:rPr lang="en-US" altLang="zh-CN" sz="1400" dirty="0" err="1" smtClean="0">
+                <a:solidFill>
+                  <a:srgbClr val="00B050"/>
+                </a:solidFill>
+              </a:rPr>
+              <a:t>TagPanelSelectionChangedEvent</a:t>
+            </a:r>
+            <a:r>
+              <a:rPr lang="en-US" sz="1400" dirty="0" smtClean="0">
+                <a:solidFill>
+                  <a:srgbClr val="00B050"/>
+                </a:solidFill>
+              </a:rPr>
+              <a:t>()</a:t>
+            </a:r>
+            <a:endParaRPr lang="en-US" sz="1400" dirty="0">
+              <a:solidFill>
+                <a:srgbClr val="00B050"/>
+              </a:solidFill>
+            </a:endParaRPr>
+          </a:p>
+        </p:txBody>
+      </p:sp>
+      <p:sp>
+        <p:nvSpPr>
+          <p:cNvPr id="73" name="TextBox 72"/>
+          <p:cNvSpPr txBox="1"/>
+          <p:nvPr/>
+        </p:nvSpPr>
+        <p:spPr>
+          <a:xfrm>
+            <a:off x="6061669" y="1456857"/>
+            <a:ext cx="2993770" cy="215444"/>
+          </a:xfrm>
+          <a:prstGeom prst="rect">
+            <a:avLst/>
+          </a:prstGeom>
+          <a:noFill/>
+        </p:spPr>
+        <p:txBody>
+          <a:bodyPr wrap="square" lIns="0" tIns="0" rIns="0" bIns="0" rtlCol="0">
+            <a:spAutoFit/>
+          </a:bodyPr>
+          <a:lstStyle/>
+          <a:p>
+            <a:r>
+              <a:rPr lang="en-US" sz="1400" dirty="0" smtClean="0">
+                <a:solidFill>
+                  <a:schemeClr val="accent5">
+                    <a:lumMod val="75000"/>
+                  </a:schemeClr>
+                </a:solidFill>
+              </a:rPr>
+              <a:t>post </a:t>
+            </a:r>
+            <a:r>
+              <a:rPr lang="en-US" altLang="zh-CN" sz="1400" dirty="0" err="1" smtClean="0">
+                <a:solidFill>
+                  <a:schemeClr val="accent5">
+                    <a:lumMod val="75000"/>
+                  </a:schemeClr>
+                </a:solidFill>
+              </a:rPr>
+              <a:t>TagPanelSelectionChangedEvent</a:t>
+            </a:r>
+            <a:r>
+              <a:rPr lang="en-US" altLang="zh-CN" sz="1400" dirty="0" smtClean="0">
+                <a:solidFill>
+                  <a:schemeClr val="accent5">
+                    <a:lumMod val="75000"/>
+                  </a:schemeClr>
+                </a:solidFill>
+              </a:rPr>
+              <a:t>()</a:t>
+            </a:r>
+            <a:endParaRPr lang="en-US" sz="1400" dirty="0">
+              <a:solidFill>
+                <a:schemeClr val="accent5">
                   <a:lumMod val="75000"/>
                 </a:schemeClr>
               </a:solidFill>
